--- a/AngularJs e KendoUI.pptx
+++ b/AngularJs e KendoUI.pptx
@@ -5197,10 +5197,15 @@
             <p:ph idx="1"/>
           </p:nvPr>
         </p:nvSpPr>
-        <p:spPr/>
+        <p:spPr>
+          <a:xfrm>
+            <a:off x="0" y="1600200"/>
+            <a:ext cx="9144000" cy="4525963"/>
+          </a:xfrm>
+        </p:spPr>
         <p:txBody>
           <a:bodyPr>
-            <a:normAutofit fontScale="92500" lnSpcReduction="10000"/>
+            <a:normAutofit lnSpcReduction="10000"/>
           </a:bodyPr>
           <a:lstStyle/>
           <a:p>
@@ -5221,7 +5226,7 @@
             </a:r>
             <a:r>
               <a:rPr lang="it-IT" dirty="0" err="1" smtClean="0"/>
-              <a:t>srl</a:t>
+              <a:t>Srl</a:t>
             </a:r>
             <a:endParaRPr lang="it-IT" dirty="0" smtClean="0"/>
           </a:p>
@@ -5256,31 +5261,50 @@
           </a:p>
           <a:p>
             <a:r>
-              <a:rPr lang="it-IT" dirty="0" smtClean="0"/>
+              <a:rPr lang="it-IT" sz="2800" dirty="0" smtClean="0"/>
               <a:t>Email: </a:t>
             </a:r>
             <a:r>
-              <a:rPr lang="it-IT" dirty="0" smtClean="0">
+              <a:rPr lang="it-IT" sz="2800" dirty="0" smtClean="0">
                 <a:hlinkClick r:id="rId2"/>
               </a:rPr>
               <a:t>danilo.caruso@nispro.it</a:t>
             </a:r>
-            <a:endParaRPr lang="it-IT" dirty="0" smtClean="0"/>
-          </a:p>
-          <a:p>
-            <a:r>
-              <a:rPr lang="it-IT" dirty="0" err="1" smtClean="0"/>
+            <a:endParaRPr lang="it-IT" sz="2800" dirty="0" smtClean="0"/>
+          </a:p>
+          <a:p>
+            <a:r>
+              <a:rPr lang="it-IT" sz="2800" dirty="0" err="1" smtClean="0"/>
+              <a:t>LinkedIn:</a:t>
+            </a:r>
+            <a:r>
+              <a:rPr lang="it-IT" sz="2800" dirty="0" err="1">
+                <a:hlinkClick r:id="rId3"/>
+              </a:rPr>
+              <a:t>https</a:t>
+            </a:r>
+            <a:r>
+              <a:rPr lang="it-IT" sz="2800" dirty="0">
+                <a:hlinkClick r:id="rId3"/>
+              </a:rPr>
+              <a:t>://it.linkedin.com/in/danilo-caruso-79031521</a:t>
+            </a:r>
+            <a:endParaRPr lang="it-IT" sz="2800" dirty="0" smtClean="0"/>
+          </a:p>
+          <a:p>
+            <a:r>
+              <a:rPr lang="it-IT" sz="2800" dirty="0" err="1" smtClean="0"/>
               <a:t>GitHub</a:t>
             </a:r>
             <a:r>
-              <a:rPr lang="it-IT" dirty="0" smtClean="0"/>
+              <a:rPr lang="it-IT" sz="2800" dirty="0" smtClean="0"/>
               <a:t>: </a:t>
             </a:r>
             <a:r>
-              <a:rPr lang="it-IT" dirty="0" err="1" smtClean="0"/>
+              <a:rPr lang="it-IT" sz="2800" dirty="0" err="1" smtClean="0"/>
               <a:t>DaniloCaruso</a:t>
             </a:r>
-            <a:endParaRPr lang="it-IT" dirty="0" smtClean="0"/>
+            <a:endParaRPr lang="it-IT" sz="2800" dirty="0" smtClean="0"/>
           </a:p>
           <a:p>
             <a:pPr marL="0" indent="0">
@@ -5293,27 +5317,27 @@
               <a:buNone/>
             </a:pPr>
             <a:r>
-              <a:rPr lang="it-IT" dirty="0" err="1" smtClean="0"/>
+              <a:rPr lang="it-IT" sz="2600" dirty="0" err="1" smtClean="0"/>
               <a:t>Repository</a:t>
             </a:r>
             <a:r>
-              <a:rPr lang="it-IT" dirty="0" smtClean="0"/>
+              <a:rPr lang="it-IT" sz="2600" dirty="0" smtClean="0"/>
               <a:t> </a:t>
             </a:r>
             <a:r>
-              <a:rPr lang="it-IT" dirty="0" err="1" smtClean="0"/>
+              <a:rPr lang="it-IT" sz="2600" dirty="0" err="1" smtClean="0"/>
               <a:t>GitHub</a:t>
             </a:r>
             <a:r>
-              <a:rPr lang="it-IT" dirty="0" smtClean="0"/>
+              <a:rPr lang="it-IT" sz="2600" dirty="0" smtClean="0"/>
               <a:t> </a:t>
             </a:r>
             <a:r>
-              <a:rPr lang="it-IT" dirty="0"/>
+              <a:rPr lang="it-IT" sz="2600" dirty="0"/>
               <a:t>corso</a:t>
             </a:r>
             <a:r>
-              <a:rPr lang="it-IT" dirty="0" smtClean="0"/>
+              <a:rPr lang="it-IT" sz="2600" dirty="0" smtClean="0"/>
               <a:t>:</a:t>
             </a:r>
           </a:p>
@@ -5322,18 +5346,18 @@
               <a:buNone/>
             </a:pPr>
             <a:r>
-              <a:rPr lang="it-IT" dirty="0" smtClean="0">
-                <a:hlinkClick r:id="rId3"/>
+              <a:rPr lang="it-IT" sz="2600" dirty="0" smtClean="0">
+                <a:hlinkClick r:id="rId4"/>
               </a:rPr>
               <a:t>https</a:t>
             </a:r>
             <a:r>
-              <a:rPr lang="it-IT" dirty="0">
-                <a:hlinkClick r:id="rId3"/>
+              <a:rPr lang="it-IT" sz="2600" dirty="0">
+                <a:hlinkClick r:id="rId4"/>
               </a:rPr>
               <a:t>://github.com/DaniloCaruso/AngularJs-KendoUI-Course</a:t>
             </a:r>
-            <a:endParaRPr lang="it-IT" dirty="0" smtClean="0"/>
+            <a:endParaRPr lang="it-IT" sz="2600" dirty="0" smtClean="0"/>
           </a:p>
         </p:txBody>
       </p:sp>
